--- a/support/Proposta de Trabalho.pptx
+++ b/support/Proposta de Trabalho.pptx
@@ -19,6 +19,7 @@
     <p:sldId id="274" r:id="rId13"/>
     <p:sldId id="277" r:id="rId14"/>
     <p:sldId id="263" r:id="rId15"/>
+    <p:sldId id="278" r:id="rId16"/>
   </p:sldIdLst>
   <p:sldSz cx="12192000" cy="6858000"/>
   <p:notesSz cx="6858000" cy="9144000"/>
@@ -117,6 +118,11 @@
       </a:defRPr>
     </a:lvl9pPr>
   </p:defaultTextStyle>
+  <p:extLst>
+    <p:ext uri="{EFAFB233-063F-42B5-8137-9DF3F51BA10A}">
+      <p15:sldGuideLst xmlns:p15="http://schemas.microsoft.com/office/powerpoint/2012/main"/>
+    </p:ext>
+  </p:extLst>
 </p:presentation>
 </file>
 
@@ -269,7 +275,7 @@
           <a:p>
             <a:fld id="{8869195D-221A-4A68-B36F-BB6876F95242}" type="datetimeFigureOut">
               <a:rPr lang="en-GB" smtClean="0"/>
-              <a:t>05/11/2021</a:t>
+              <a:t>06/11/2021</a:t>
             </a:fld>
             <a:endParaRPr lang="en-GB"/>
           </a:p>
@@ -469,7 +475,7 @@
           <a:p>
             <a:fld id="{8869195D-221A-4A68-B36F-BB6876F95242}" type="datetimeFigureOut">
               <a:rPr lang="en-GB" smtClean="0"/>
-              <a:t>05/11/2021</a:t>
+              <a:t>06/11/2021</a:t>
             </a:fld>
             <a:endParaRPr lang="en-GB"/>
           </a:p>
@@ -679,7 +685,7 @@
           <a:p>
             <a:fld id="{8869195D-221A-4A68-B36F-BB6876F95242}" type="datetimeFigureOut">
               <a:rPr lang="en-GB" smtClean="0"/>
-              <a:t>05/11/2021</a:t>
+              <a:t>06/11/2021</a:t>
             </a:fld>
             <a:endParaRPr lang="en-GB"/>
           </a:p>
@@ -879,7 +885,7 @@
           <a:p>
             <a:fld id="{8869195D-221A-4A68-B36F-BB6876F95242}" type="datetimeFigureOut">
               <a:rPr lang="en-GB" smtClean="0"/>
-              <a:t>05/11/2021</a:t>
+              <a:t>06/11/2021</a:t>
             </a:fld>
             <a:endParaRPr lang="en-GB"/>
           </a:p>
@@ -1155,7 +1161,7 @@
           <a:p>
             <a:fld id="{8869195D-221A-4A68-B36F-BB6876F95242}" type="datetimeFigureOut">
               <a:rPr lang="en-GB" smtClean="0"/>
-              <a:t>05/11/2021</a:t>
+              <a:t>06/11/2021</a:t>
             </a:fld>
             <a:endParaRPr lang="en-GB"/>
           </a:p>
@@ -1423,7 +1429,7 @@
           <a:p>
             <a:fld id="{8869195D-221A-4A68-B36F-BB6876F95242}" type="datetimeFigureOut">
               <a:rPr lang="en-GB" smtClean="0"/>
-              <a:t>05/11/2021</a:t>
+              <a:t>06/11/2021</a:t>
             </a:fld>
             <a:endParaRPr lang="en-GB"/>
           </a:p>
@@ -1838,7 +1844,7 @@
           <a:p>
             <a:fld id="{8869195D-221A-4A68-B36F-BB6876F95242}" type="datetimeFigureOut">
               <a:rPr lang="en-GB" smtClean="0"/>
-              <a:t>05/11/2021</a:t>
+              <a:t>06/11/2021</a:t>
             </a:fld>
             <a:endParaRPr lang="en-GB"/>
           </a:p>
@@ -1980,7 +1986,7 @@
           <a:p>
             <a:fld id="{8869195D-221A-4A68-B36F-BB6876F95242}" type="datetimeFigureOut">
               <a:rPr lang="en-GB" smtClean="0"/>
-              <a:t>05/11/2021</a:t>
+              <a:t>06/11/2021</a:t>
             </a:fld>
             <a:endParaRPr lang="en-GB"/>
           </a:p>
@@ -2093,7 +2099,7 @@
           <a:p>
             <a:fld id="{8869195D-221A-4A68-B36F-BB6876F95242}" type="datetimeFigureOut">
               <a:rPr lang="en-GB" smtClean="0"/>
-              <a:t>05/11/2021</a:t>
+              <a:t>06/11/2021</a:t>
             </a:fld>
             <a:endParaRPr lang="en-GB"/>
           </a:p>
@@ -2406,7 +2412,7 @@
           <a:p>
             <a:fld id="{8869195D-221A-4A68-B36F-BB6876F95242}" type="datetimeFigureOut">
               <a:rPr lang="en-GB" smtClean="0"/>
-              <a:t>05/11/2021</a:t>
+              <a:t>06/11/2021</a:t>
             </a:fld>
             <a:endParaRPr lang="en-GB"/>
           </a:p>
@@ -2695,7 +2701,7 @@
           <a:p>
             <a:fld id="{8869195D-221A-4A68-B36F-BB6876F95242}" type="datetimeFigureOut">
               <a:rPr lang="en-GB" smtClean="0"/>
-              <a:t>05/11/2021</a:t>
+              <a:t>06/11/2021</a:t>
             </a:fld>
             <a:endParaRPr lang="en-GB"/>
           </a:p>
@@ -2938,7 +2944,7 @@
           <a:p>
             <a:fld id="{8869195D-221A-4A68-B36F-BB6876F95242}" type="datetimeFigureOut">
               <a:rPr lang="en-GB" smtClean="0"/>
-              <a:t>05/11/2021</a:t>
+              <a:t>06/11/2021</a:t>
             </a:fld>
             <a:endParaRPr lang="en-GB"/>
           </a:p>
@@ -3370,7 +3376,7 @@
         <p:spPr>
           <a:xfrm>
             <a:off x="1361862" y="1105422"/>
-            <a:ext cx="9468297" cy="3416320"/>
+            <a:ext cx="9468298" cy="2585323"/>
           </a:xfrm>
           <a:prstGeom prst="rect">
             <a:avLst/>
@@ -3584,31 +3590,6 @@
                 </a:bgClr>
               </a:pattFill>
             </a:endParaRPr>
-          </a:p>
-          <a:p>
-            <a:pPr algn="r"/>
-            <a:r>
-              <a:rPr lang="en-US" sz="5400" b="1" dirty="0">
-                <a:ln w="12700">
-                  <a:solidFill>
-                    <a:schemeClr val="accent5"/>
-                  </a:solidFill>
-                  <a:prstDash val="solid"/>
-                </a:ln>
-                <a:pattFill prst="ltDnDiag">
-                  <a:fgClr>
-                    <a:schemeClr val="accent5">
-                      <a:lumMod val="60000"/>
-                      <a:lumOff val="40000"/>
-                    </a:schemeClr>
-                  </a:fgClr>
-                  <a:bgClr>
-                    <a:schemeClr val="bg1"/>
-                  </a:bgClr>
-                </a:pattFill>
-              </a:rPr>
-              <a:t>(por André)</a:t>
-            </a:r>
           </a:p>
         </p:txBody>
       </p:sp>
@@ -7700,7 +7681,7 @@
             <a:pPr algn="ctr"/>
             <a:r>
               <a:rPr lang="pt-BR" sz="1600" dirty="0"/>
-              <a:t>?</a:t>
+              <a:t>1</a:t>
             </a:r>
             <a:endParaRPr lang="en-GB" sz="1600" dirty="0"/>
           </a:p>
@@ -9803,6 +9784,55 @@
           </a:fontRef>
         </p:style>
       </p:cxnSp>
+      <p:sp>
+        <p:nvSpPr>
+          <p:cNvPr id="51" name="TextBox 50">
+            <a:extLst>
+              <a:ext uri="{FF2B5EF4-FFF2-40B4-BE49-F238E27FC236}">
+                <a16:creationId xmlns:a16="http://schemas.microsoft.com/office/drawing/2014/main" id="{DA48C5B0-AA2B-411E-AB27-4CE3677177C2}"/>
+              </a:ext>
+            </a:extLst>
+          </p:cNvPr>
+          <p:cNvSpPr txBox="1"/>
+          <p:nvPr/>
+        </p:nvSpPr>
+        <p:spPr>
+          <a:xfrm>
+            <a:off x="60091" y="4044024"/>
+            <a:ext cx="1797631" cy="1015663"/>
+          </a:xfrm>
+          <a:prstGeom prst="rect">
+            <a:avLst/>
+          </a:prstGeom>
+          <a:noFill/>
+        </p:spPr>
+        <p:txBody>
+          <a:bodyPr wrap="square" rtlCol="0">
+            <a:spAutoFit/>
+          </a:bodyPr>
+          <a:lstStyle>
+            <a:defPPr>
+              <a:defRPr lang="en-US"/>
+            </a:defPPr>
+            <a:lvl1pPr>
+              <a:defRPr sz="1200" i="1">
+                <a:solidFill>
+                  <a:schemeClr val="accent6">
+                    <a:lumMod val="75000"/>
+                  </a:schemeClr>
+                </a:solidFill>
+              </a:defRPr>
+            </a:lvl1pPr>
+          </a:lstStyle>
+          <a:p>
+            <a:pPr algn="ctr"/>
+            <a:r>
+              <a:rPr lang="pt-BR" dirty="0"/>
+              <a:t>Continuamos usando regressão linear com variáveis transformadas, da forma empregada para construir a MDRD-4.</a:t>
+            </a:r>
+          </a:p>
+        </p:txBody>
+      </p:sp>
     </p:spTree>
     <p:extLst>
       <p:ext uri="{BB962C8B-B14F-4D97-AF65-F5344CB8AC3E}">
@@ -10163,6 +10193,123 @@
 </p:sld>
 </file>
 
+<file path=ppt/slides/slide15.xml><?xml version="1.0" encoding="utf-8"?>
+<p:sld xmlns:a="http://schemas.openxmlformats.org/drawingml/2006/main" xmlns:r="http://schemas.openxmlformats.org/officeDocument/2006/relationships" xmlns:p="http://schemas.openxmlformats.org/presentationml/2006/main">
+  <p:cSld>
+    <p:spTree>
+      <p:nvGrpSpPr>
+        <p:cNvPr id="1" name=""/>
+        <p:cNvGrpSpPr/>
+        <p:nvPr/>
+      </p:nvGrpSpPr>
+      <p:grpSpPr>
+        <a:xfrm>
+          <a:off x="0" y="0"/>
+          <a:ext cx="0" cy="0"/>
+          <a:chOff x="0" y="0"/>
+          <a:chExt cx="0" cy="0"/>
+        </a:xfrm>
+      </p:grpSpPr>
+      <p:pic>
+        <p:nvPicPr>
+          <p:cNvPr id="5" name="Picture 4">
+            <a:extLst>
+              <a:ext uri="{FF2B5EF4-FFF2-40B4-BE49-F238E27FC236}">
+                <a16:creationId xmlns:a16="http://schemas.microsoft.com/office/drawing/2014/main" id="{232348A8-184D-4C92-ACEF-94CCDA07778E}"/>
+              </a:ext>
+            </a:extLst>
+          </p:cNvPr>
+          <p:cNvPicPr>
+            <a:picLocks noChangeAspect="1"/>
+          </p:cNvPicPr>
+          <p:nvPr/>
+        </p:nvPicPr>
+        <p:blipFill rotWithShape="1">
+          <a:blip r:embed="rId2"/>
+          <a:srcRect l="8742" t="12350" r="12377" b="33115"/>
+          <a:stretch/>
+        </p:blipFill>
+        <p:spPr>
+          <a:xfrm>
+            <a:off x="5919583" y="1274161"/>
+            <a:ext cx="5454569" cy="3161243"/>
+          </a:xfrm>
+          <a:prstGeom prst="rect">
+            <a:avLst/>
+          </a:prstGeom>
+        </p:spPr>
+      </p:pic>
+      <p:pic>
+        <p:nvPicPr>
+          <p:cNvPr id="7" name="Picture 6">
+            <a:extLst>
+              <a:ext uri="{FF2B5EF4-FFF2-40B4-BE49-F238E27FC236}">
+                <a16:creationId xmlns:a16="http://schemas.microsoft.com/office/drawing/2014/main" id="{2861F6D6-CA81-41AC-BD1D-EFC198BB47BD}"/>
+              </a:ext>
+            </a:extLst>
+          </p:cNvPr>
+          <p:cNvPicPr>
+            <a:picLocks noChangeAspect="1"/>
+          </p:cNvPicPr>
+          <p:nvPr/>
+        </p:nvPicPr>
+        <p:blipFill rotWithShape="1">
+          <a:blip r:embed="rId3"/>
+          <a:srcRect t="4481" b="63825"/>
+          <a:stretch/>
+        </p:blipFill>
+        <p:spPr>
+          <a:xfrm>
+            <a:off x="817848" y="3477717"/>
+            <a:ext cx="10556304" cy="2854162"/>
+          </a:xfrm>
+          <a:prstGeom prst="rect">
+            <a:avLst/>
+          </a:prstGeom>
+        </p:spPr>
+      </p:pic>
+      <p:pic>
+        <p:nvPicPr>
+          <p:cNvPr id="9" name="Picture 8">
+            <a:extLst>
+              <a:ext uri="{FF2B5EF4-FFF2-40B4-BE49-F238E27FC236}">
+                <a16:creationId xmlns:a16="http://schemas.microsoft.com/office/drawing/2014/main" id="{FC54E709-9756-4F2D-A9BF-235398FA0A98}"/>
+              </a:ext>
+            </a:extLst>
+          </p:cNvPr>
+          <p:cNvPicPr>
+            <a:picLocks noChangeAspect="1"/>
+          </p:cNvPicPr>
+          <p:nvPr/>
+        </p:nvPicPr>
+        <p:blipFill rotWithShape="1">
+          <a:blip r:embed="rId4"/>
+          <a:srcRect t="7213" b="47323"/>
+          <a:stretch/>
+        </p:blipFill>
+        <p:spPr>
+          <a:xfrm>
+            <a:off x="817848" y="1274161"/>
+            <a:ext cx="5101735" cy="1978702"/>
+          </a:xfrm>
+          <a:prstGeom prst="rect">
+            <a:avLst/>
+          </a:prstGeom>
+        </p:spPr>
+      </p:pic>
+    </p:spTree>
+    <p:extLst>
+      <p:ext uri="{BB962C8B-B14F-4D97-AF65-F5344CB8AC3E}">
+        <p14:creationId xmlns:p14="http://schemas.microsoft.com/office/powerpoint/2010/main" val="3780150632"/>
+      </p:ext>
+    </p:extLst>
+  </p:cSld>
+  <p:clrMapOvr>
+    <a:masterClrMapping/>
+  </p:clrMapOvr>
+</p:sld>
+</file>
+
 <file path=ppt/slides/slide2.xml><?xml version="1.0" encoding="utf-8"?>
 <p:sld xmlns:a="http://schemas.openxmlformats.org/drawingml/2006/main" xmlns:r="http://schemas.openxmlformats.org/officeDocument/2006/relationships" xmlns:p="http://schemas.openxmlformats.org/presentationml/2006/main">
   <p:cSld>
@@ -10308,7 +10455,7 @@
                   <a:srgbClr val="FF0000"/>
                 </a:solidFill>
               </a:rPr>
-              <a:t>Na primeira etapa, a gente aprenderia a metodologia usada para construir uma equação para estimar TFG a partir de dados que nós temos em mãos (ELSA, PNS).</a:t>
+              <a:t>Na primeira etapa, a gente aprenderia como construir uma equação para estimar TFG a partir de dados que nós temos em mãos (ELSA, PNS).</a:t>
             </a:r>
           </a:p>
           <a:p>
@@ -10321,7 +10468,7 @@
                   <a:srgbClr val="FF0000"/>
                 </a:solidFill>
               </a:rPr>
-              <a:t>Na segunda etapa, a gente aprenderia a metodologia usada para construir uma equação para estimar a idade renal a partir de dados que nós temos em mãos.</a:t>
+              <a:t>Na segunda etapa, a gente aprenderia como construir uma equação para estimar a idade renal a partir de dados que nós temos em mãos.</a:t>
             </a:r>
           </a:p>
           <a:p>
@@ -13834,7 +13981,7 @@
                   <a:schemeClr val="accent2"/>
                 </a:solidFill>
               </a:rPr>
-              <a:t>Notebook </a:t>
+              <a:t>Notebook:</a:t>
             </a:r>
           </a:p>
           <a:p>
@@ -14037,7 +14184,7 @@
         <p:spPr>
           <a:xfrm>
             <a:off x="0" y="0"/>
-            <a:ext cx="4064702" cy="646331"/>
+            <a:ext cx="5603458" cy="646331"/>
           </a:xfrm>
           <a:prstGeom prst="rect">
             <a:avLst/>
@@ -14117,6 +14264,50 @@
               </a:rPr>
               <a:t>Temporada</a:t>
             </a:r>
+            <a:r>
+              <a:rPr lang="en-US" sz="3600" b="1" dirty="0">
+                <a:ln w="12700">
+                  <a:solidFill>
+                    <a:schemeClr val="accent5"/>
+                  </a:solidFill>
+                  <a:prstDash val="solid"/>
+                </a:ln>
+                <a:pattFill prst="ltDnDiag">
+                  <a:fgClr>
+                    <a:schemeClr val="accent5">
+                      <a:lumMod val="60000"/>
+                      <a:lumOff val="40000"/>
+                    </a:schemeClr>
+                  </a:fgClr>
+                  <a:bgClr>
+                    <a:schemeClr val="bg1"/>
+                  </a:bgClr>
+                </a:pattFill>
+              </a:rPr>
+              <a:t> - </a:t>
+            </a:r>
+            <a:r>
+              <a:rPr lang="en-US" sz="3600" b="1" dirty="0" err="1">
+                <a:ln w="12700">
+                  <a:solidFill>
+                    <a:schemeClr val="accent5"/>
+                  </a:solidFill>
+                  <a:prstDash val="solid"/>
+                </a:ln>
+                <a:pattFill prst="ltDnDiag">
+                  <a:fgClr>
+                    <a:schemeClr val="accent5">
+                      <a:lumMod val="60000"/>
+                      <a:lumOff val="40000"/>
+                    </a:schemeClr>
+                  </a:fgClr>
+                  <a:bgClr>
+                    <a:schemeClr val="bg1"/>
+                  </a:bgClr>
+                </a:pattFill>
+              </a:rPr>
+              <a:t>Trama</a:t>
+            </a:r>
             <a:endParaRPr lang="en-US" sz="3600" b="1" cap="none" spc="0" dirty="0">
               <a:ln w="12700">
                 <a:solidFill>
@@ -14218,55 +14409,42 @@
           <a:bodyPr wrap="square" rtlCol="0">
             <a:spAutoFit/>
           </a:bodyPr>
-          <a:lstStyle/>
-          <a:p>
-            <a:r>
-              <a:rPr lang="pt-BR" sz="1200" i="1" dirty="0">
+          <a:lstStyle>
+            <a:defPPr>
+              <a:defRPr lang="en-US"/>
+            </a:defPPr>
+            <a:lvl1pPr>
+              <a:defRPr sz="1100" i="1">
                 <a:solidFill>
                   <a:schemeClr val="accent2"/>
                 </a:solidFill>
-              </a:rPr>
+              </a:defRPr>
+            </a:lvl1pPr>
+          </a:lstStyle>
+          <a:p>
+            <a:r>
+              <a:rPr lang="pt-BR" dirty="0"/>
               <a:t>Idade, Sexo, Raça, </a:t>
             </a:r>
             <a:r>
-              <a:rPr lang="pt-BR" sz="1200" i="1" dirty="0" err="1">
-                <a:solidFill>
-                  <a:schemeClr val="accent2"/>
-                </a:solidFill>
-              </a:rPr>
+              <a:rPr lang="pt-BR" dirty="0" err="1"/>
               <a:t>SCr</a:t>
             </a:r>
             <a:r>
-              <a:rPr lang="pt-BR" sz="1200" i="1" dirty="0">
-                <a:solidFill>
-                  <a:schemeClr val="accent2"/>
-                </a:solidFill>
-              </a:rPr>
+              <a:rPr lang="pt-BR" dirty="0"/>
               <a:t>, </a:t>
             </a:r>
           </a:p>
           <a:p>
             <a:r>
-              <a:rPr lang="pt-BR" sz="1200" i="1" dirty="0">
-                <a:solidFill>
-                  <a:schemeClr val="accent2"/>
-                </a:solidFill>
-              </a:rPr>
+              <a:rPr lang="pt-BR" dirty="0"/>
               <a:t>SUN, </a:t>
             </a:r>
             <a:r>
-              <a:rPr lang="pt-BR" sz="1200" i="1" dirty="0" err="1">
-                <a:solidFill>
-                  <a:schemeClr val="accent2"/>
-                </a:solidFill>
-              </a:rPr>
-              <a:t>albumin</a:t>
-            </a:r>
-            <a:endParaRPr lang="pt-BR" sz="1200" i="1" dirty="0">
-              <a:solidFill>
-                <a:schemeClr val="accent2"/>
-              </a:solidFill>
-            </a:endParaRPr>
+              <a:rPr lang="pt-BR" dirty="0" err="1"/>
+              <a:t>Albumin</a:t>
+            </a:r>
+            <a:endParaRPr lang="pt-BR" dirty="0"/>
           </a:p>
         </p:txBody>
       </p:sp>
@@ -14296,29 +14474,28 @@
           <a:bodyPr wrap="square" rtlCol="0">
             <a:spAutoFit/>
           </a:bodyPr>
-          <a:lstStyle/>
-          <a:p>
-            <a:r>
-              <a:rPr lang="pt-BR" sz="1200" i="1" dirty="0">
+          <a:lstStyle>
+            <a:defPPr>
+              <a:defRPr lang="en-US"/>
+            </a:defPPr>
+            <a:lvl1pPr>
+              <a:defRPr sz="1100" i="1">
                 <a:solidFill>
                   <a:schemeClr val="accent2"/>
                 </a:solidFill>
-              </a:rPr>
+              </a:defRPr>
+            </a:lvl1pPr>
+          </a:lstStyle>
+          <a:p>
+            <a:r>
+              <a:rPr lang="pt-BR" dirty="0"/>
               <a:t>Idade, Sexo, Peso, BSA, </a:t>
             </a:r>
             <a:r>
-              <a:rPr lang="pt-BR" sz="1200" i="1" dirty="0" err="1">
-                <a:solidFill>
-                  <a:schemeClr val="accent2"/>
-                </a:solidFill>
-              </a:rPr>
+              <a:rPr lang="pt-BR" dirty="0" err="1"/>
               <a:t>SCr</a:t>
             </a:r>
-            <a:endParaRPr lang="pt-BR" sz="1200" i="1" dirty="0">
-              <a:solidFill>
-                <a:schemeClr val="accent2"/>
-              </a:solidFill>
-            </a:endParaRPr>
+            <a:endParaRPr lang="pt-BR" dirty="0"/>
           </a:p>
         </p:txBody>
       </p:sp>
@@ -14348,14 +14525,21 @@
           <a:bodyPr wrap="square" rtlCol="0">
             <a:spAutoFit/>
           </a:bodyPr>
-          <a:lstStyle/>
-          <a:p>
-            <a:r>
-              <a:rPr lang="pt-BR" sz="1100" i="1" dirty="0">
+          <a:lstStyle>
+            <a:defPPr>
+              <a:defRPr lang="en-US"/>
+            </a:defPPr>
+            <a:lvl1pPr>
+              <a:defRPr sz="1100" i="1">
                 <a:solidFill>
                   <a:schemeClr val="accent2"/>
                 </a:solidFill>
-              </a:rPr>
+              </a:defRPr>
+            </a:lvl1pPr>
+          </a:lstStyle>
+          <a:p>
+            <a:r>
+              <a:rPr lang="pt-BR" dirty="0"/>
               <a:t>MDRD-4, sem transformação</a:t>
             </a:r>
           </a:p>
@@ -14387,15 +14571,22 @@
           <a:bodyPr wrap="square" rtlCol="0">
             <a:spAutoFit/>
           </a:bodyPr>
-          <a:lstStyle/>
-          <a:p>
-            <a:r>
-              <a:rPr lang="pt-BR" sz="1100" i="1" dirty="0">
+          <a:lstStyle>
+            <a:defPPr>
+              <a:defRPr lang="en-US"/>
+            </a:defPPr>
+            <a:lvl1pPr>
+              <a:defRPr sz="1100" i="1">
                 <a:solidFill>
                   <a:schemeClr val="accent2"/>
                 </a:solidFill>
-              </a:rPr>
-              <a:t>MDRD-4, com transformação</a:t>
+              </a:defRPr>
+            </a:lvl1pPr>
+          </a:lstStyle>
+          <a:p>
+            <a:r>
+              <a:rPr lang="pt-BR" dirty="0"/>
+              <a:t>MDRD-4, ‘com transformação</a:t>
             </a:r>
           </a:p>
         </p:txBody>
@@ -14426,30 +14617,29 @@
           <a:bodyPr wrap="square" rtlCol="0">
             <a:spAutoFit/>
           </a:bodyPr>
-          <a:lstStyle/>
-          <a:p>
-            <a:r>
-              <a:rPr lang="pt-BR" sz="1200" i="1" dirty="0">
+          <a:lstStyle>
+            <a:defPPr>
+              <a:defRPr lang="en-US"/>
+            </a:defPPr>
+            <a:lvl1pPr>
+              <a:defRPr sz="1100" i="1">
                 <a:solidFill>
                   <a:schemeClr val="accent2"/>
                 </a:solidFill>
-              </a:rPr>
+              </a:defRPr>
+            </a:lvl1pPr>
+          </a:lstStyle>
+          <a:p>
+            <a:r>
+              <a:rPr lang="pt-BR" dirty="0"/>
               <a:t>Idade, Sexo, Peso, BSA, </a:t>
             </a:r>
             <a:r>
-              <a:rPr lang="pt-BR" sz="1200" i="1" dirty="0" err="1">
-                <a:solidFill>
-                  <a:schemeClr val="accent2"/>
-                </a:solidFill>
-              </a:rPr>
+              <a:rPr lang="pt-BR" dirty="0" err="1"/>
               <a:t>SCr</a:t>
             </a:r>
             <a:r>
-              <a:rPr lang="pt-BR" sz="1200" i="1" dirty="0">
-                <a:solidFill>
-                  <a:schemeClr val="accent2"/>
-                </a:solidFill>
-              </a:rPr>
+              <a:rPr lang="pt-BR" dirty="0"/>
               <a:t>*</a:t>
             </a:r>
           </a:p>
@@ -14503,6 +14693,118 @@
           </a:fontRef>
         </p:style>
       </p:cxnSp>
+      <p:sp>
+        <p:nvSpPr>
+          <p:cNvPr id="52" name="TextBox 51">
+            <a:extLst>
+              <a:ext uri="{FF2B5EF4-FFF2-40B4-BE49-F238E27FC236}">
+                <a16:creationId xmlns:a16="http://schemas.microsoft.com/office/drawing/2014/main" id="{16DB74FC-53F0-41F3-A5A0-A8F7ED8D853E}"/>
+              </a:ext>
+            </a:extLst>
+          </p:cNvPr>
+          <p:cNvSpPr txBox="1"/>
+          <p:nvPr/>
+        </p:nvSpPr>
+        <p:spPr>
+          <a:xfrm>
+            <a:off x="8696499" y="247535"/>
+            <a:ext cx="3448393" cy="830997"/>
+          </a:xfrm>
+          <a:prstGeom prst="rect">
+            <a:avLst/>
+          </a:prstGeom>
+          <a:noFill/>
+        </p:spPr>
+        <p:txBody>
+          <a:bodyPr wrap="square" rtlCol="0">
+            <a:spAutoFit/>
+          </a:bodyPr>
+          <a:lstStyle/>
+          <a:p>
+            <a:r>
+              <a:rPr lang="pt-BR" sz="1200" i="1" dirty="0">
+                <a:solidFill>
+                  <a:schemeClr val="accent2"/>
+                </a:solidFill>
+              </a:rPr>
+              <a:t>Metodologia do estudo:</a:t>
+            </a:r>
+          </a:p>
+          <a:p>
+            <a:pPr marL="171450" indent="-171450">
+              <a:buFontTx/>
+              <a:buChar char="-"/>
+            </a:pPr>
+            <a:r>
+              <a:rPr lang="pt-BR" sz="1200" i="1" dirty="0">
+                <a:solidFill>
+                  <a:schemeClr val="accent2"/>
+                </a:solidFill>
+              </a:rPr>
+              <a:t>Regressão linear com variáveis transformadas</a:t>
+            </a:r>
+          </a:p>
+          <a:p>
+            <a:pPr marL="171450" indent="-171450">
+              <a:buFontTx/>
+              <a:buChar char="-"/>
+            </a:pPr>
+            <a:r>
+              <a:rPr lang="pt-BR" sz="1200" i="1" dirty="0">
+                <a:solidFill>
+                  <a:schemeClr val="accent2"/>
+                </a:solidFill>
+              </a:rPr>
+              <a:t>Critérios de comparação de equações: bias, percentagem bias, </a:t>
+            </a:r>
+            <a:r>
+              <a:rPr lang="pt-BR" sz="1200" i="1" dirty="0" err="1">
+                <a:solidFill>
+                  <a:schemeClr val="accent2"/>
+                </a:solidFill>
+              </a:rPr>
+              <a:t>precision</a:t>
+            </a:r>
+            <a:r>
+              <a:rPr lang="pt-BR" sz="1200" i="1" dirty="0">
+                <a:solidFill>
+                  <a:schemeClr val="accent2"/>
+                </a:solidFill>
+              </a:rPr>
+              <a:t>*, r-</a:t>
+            </a:r>
+            <a:r>
+              <a:rPr lang="pt-BR" sz="1200" i="1" dirty="0" err="1">
+                <a:solidFill>
+                  <a:schemeClr val="accent2"/>
+                </a:solidFill>
+              </a:rPr>
+              <a:t>squared</a:t>
+            </a:r>
+            <a:r>
+              <a:rPr lang="pt-BR" sz="1200" i="1" dirty="0">
+                <a:solidFill>
+                  <a:schemeClr val="accent2"/>
+                </a:solidFill>
+              </a:rPr>
+              <a:t>, </a:t>
+            </a:r>
+            <a:r>
+              <a:rPr lang="pt-BR" sz="1200" i="1" dirty="0" err="1">
+                <a:solidFill>
+                  <a:schemeClr val="accent2"/>
+                </a:solidFill>
+              </a:rPr>
+              <a:t>accuracy</a:t>
+            </a:r>
+            <a:endParaRPr lang="pt-BR" sz="1200" i="1" dirty="0">
+              <a:solidFill>
+                <a:schemeClr val="accent2"/>
+              </a:solidFill>
+            </a:endParaRPr>
+          </a:p>
+        </p:txBody>
+      </p:sp>
     </p:spTree>
     <p:extLst>
       <p:ext uri="{BB962C8B-B14F-4D97-AF65-F5344CB8AC3E}">

--- a/support/Proposta de Trabalho.pptx
+++ b/support/Proposta de Trabalho.pptx
@@ -275,7 +275,7 @@
           <a:p>
             <a:fld id="{8869195D-221A-4A68-B36F-BB6876F95242}" type="datetimeFigureOut">
               <a:rPr lang="en-GB" smtClean="0"/>
-              <a:t>06/11/2021</a:t>
+              <a:t>07/11/2021</a:t>
             </a:fld>
             <a:endParaRPr lang="en-GB"/>
           </a:p>
@@ -475,7 +475,7 @@
           <a:p>
             <a:fld id="{8869195D-221A-4A68-B36F-BB6876F95242}" type="datetimeFigureOut">
               <a:rPr lang="en-GB" smtClean="0"/>
-              <a:t>06/11/2021</a:t>
+              <a:t>07/11/2021</a:t>
             </a:fld>
             <a:endParaRPr lang="en-GB"/>
           </a:p>
@@ -685,7 +685,7 @@
           <a:p>
             <a:fld id="{8869195D-221A-4A68-B36F-BB6876F95242}" type="datetimeFigureOut">
               <a:rPr lang="en-GB" smtClean="0"/>
-              <a:t>06/11/2021</a:t>
+              <a:t>07/11/2021</a:t>
             </a:fld>
             <a:endParaRPr lang="en-GB"/>
           </a:p>
@@ -885,7 +885,7 @@
           <a:p>
             <a:fld id="{8869195D-221A-4A68-B36F-BB6876F95242}" type="datetimeFigureOut">
               <a:rPr lang="en-GB" smtClean="0"/>
-              <a:t>06/11/2021</a:t>
+              <a:t>07/11/2021</a:t>
             </a:fld>
             <a:endParaRPr lang="en-GB"/>
           </a:p>
@@ -1161,7 +1161,7 @@
           <a:p>
             <a:fld id="{8869195D-221A-4A68-B36F-BB6876F95242}" type="datetimeFigureOut">
               <a:rPr lang="en-GB" smtClean="0"/>
-              <a:t>06/11/2021</a:t>
+              <a:t>07/11/2021</a:t>
             </a:fld>
             <a:endParaRPr lang="en-GB"/>
           </a:p>
@@ -1429,7 +1429,7 @@
           <a:p>
             <a:fld id="{8869195D-221A-4A68-B36F-BB6876F95242}" type="datetimeFigureOut">
               <a:rPr lang="en-GB" smtClean="0"/>
-              <a:t>06/11/2021</a:t>
+              <a:t>07/11/2021</a:t>
             </a:fld>
             <a:endParaRPr lang="en-GB"/>
           </a:p>
@@ -1844,7 +1844,7 @@
           <a:p>
             <a:fld id="{8869195D-221A-4A68-B36F-BB6876F95242}" type="datetimeFigureOut">
               <a:rPr lang="en-GB" smtClean="0"/>
-              <a:t>06/11/2021</a:t>
+              <a:t>07/11/2021</a:t>
             </a:fld>
             <a:endParaRPr lang="en-GB"/>
           </a:p>
@@ -1986,7 +1986,7 @@
           <a:p>
             <a:fld id="{8869195D-221A-4A68-B36F-BB6876F95242}" type="datetimeFigureOut">
               <a:rPr lang="en-GB" smtClean="0"/>
-              <a:t>06/11/2021</a:t>
+              <a:t>07/11/2021</a:t>
             </a:fld>
             <a:endParaRPr lang="en-GB"/>
           </a:p>
@@ -2099,7 +2099,7 @@
           <a:p>
             <a:fld id="{8869195D-221A-4A68-B36F-BB6876F95242}" type="datetimeFigureOut">
               <a:rPr lang="en-GB" smtClean="0"/>
-              <a:t>06/11/2021</a:t>
+              <a:t>07/11/2021</a:t>
             </a:fld>
             <a:endParaRPr lang="en-GB"/>
           </a:p>
@@ -2412,7 +2412,7 @@
           <a:p>
             <a:fld id="{8869195D-221A-4A68-B36F-BB6876F95242}" type="datetimeFigureOut">
               <a:rPr lang="en-GB" smtClean="0"/>
-              <a:t>06/11/2021</a:t>
+              <a:t>07/11/2021</a:t>
             </a:fld>
             <a:endParaRPr lang="en-GB"/>
           </a:p>
@@ -2701,7 +2701,7 @@
           <a:p>
             <a:fld id="{8869195D-221A-4A68-B36F-BB6876F95242}" type="datetimeFigureOut">
               <a:rPr lang="en-GB" smtClean="0"/>
-              <a:t>06/11/2021</a:t>
+              <a:t>07/11/2021</a:t>
             </a:fld>
             <a:endParaRPr lang="en-GB"/>
           </a:p>
@@ -2944,7 +2944,7 @@
           <a:p>
             <a:fld id="{8869195D-221A-4A68-B36F-BB6876F95242}" type="datetimeFigureOut">
               <a:rPr lang="en-GB" smtClean="0"/>
-              <a:t>06/11/2021</a:t>
+              <a:t>07/11/2021</a:t>
             </a:fld>
             <a:endParaRPr lang="en-GB"/>
           </a:p>
@@ -13436,522 +13436,10 @@
       </p:sp>
       <p:sp>
         <p:nvSpPr>
-          <p:cNvPr id="31" name="Rectangle: Rounded Corners 30">
-            <a:extLst>
-              <a:ext uri="{FF2B5EF4-FFF2-40B4-BE49-F238E27FC236}">
-                <a16:creationId xmlns:a16="http://schemas.microsoft.com/office/drawing/2014/main" id="{2FC40BCA-6182-48AE-9736-31985D9E1415}"/>
-              </a:ext>
-            </a:extLst>
-          </p:cNvPr>
-          <p:cNvSpPr/>
-          <p:nvPr/>
-        </p:nvSpPr>
-        <p:spPr>
-          <a:xfrm>
-            <a:off x="8902930" y="1148048"/>
-            <a:ext cx="1345628" cy="334120"/>
-          </a:xfrm>
-          <a:prstGeom prst="roundRect">
-            <a:avLst/>
-          </a:prstGeom>
-          <a:solidFill>
-            <a:schemeClr val="accent1">
-              <a:lumMod val="60000"/>
-              <a:lumOff val="40000"/>
-            </a:schemeClr>
-          </a:solidFill>
-          <a:ln>
-            <a:noFill/>
-          </a:ln>
-        </p:spPr>
-        <p:style>
-          <a:lnRef idx="2">
-            <a:schemeClr val="accent1">
-              <a:shade val="50000"/>
-            </a:schemeClr>
-          </a:lnRef>
-          <a:fillRef idx="1">
-            <a:schemeClr val="accent1"/>
-          </a:fillRef>
-          <a:effectRef idx="0">
-            <a:schemeClr val="accent1"/>
-          </a:effectRef>
-          <a:fontRef idx="minor">
-            <a:schemeClr val="lt1"/>
-          </a:fontRef>
-        </p:style>
-        <p:txBody>
-          <a:bodyPr rtlCol="0" anchor="ctr"/>
-          <a:lstStyle/>
-          <a:p>
-            <a:pPr algn="ctr"/>
-            <a:r>
-              <a:rPr lang="pt-BR" sz="1200"/>
-              <a:t>MDRD-4</a:t>
-            </a:r>
-            <a:endParaRPr lang="en-GB" sz="1200" dirty="0"/>
-          </a:p>
-        </p:txBody>
-      </p:sp>
-      <p:sp>
-        <p:nvSpPr>
-          <p:cNvPr id="32" name="Rectangle: Rounded Corners 31">
-            <a:extLst>
-              <a:ext uri="{FF2B5EF4-FFF2-40B4-BE49-F238E27FC236}">
-                <a16:creationId xmlns:a16="http://schemas.microsoft.com/office/drawing/2014/main" id="{72CBC8A6-67B5-4539-AE2A-450F5F2F571C}"/>
-              </a:ext>
-            </a:extLst>
-          </p:cNvPr>
-          <p:cNvSpPr/>
-          <p:nvPr/>
-        </p:nvSpPr>
-        <p:spPr>
-          <a:xfrm>
-            <a:off x="8902929" y="1540070"/>
-            <a:ext cx="1345629" cy="334120"/>
-          </a:xfrm>
-          <a:prstGeom prst="roundRect">
-            <a:avLst/>
-          </a:prstGeom>
-          <a:solidFill>
-            <a:schemeClr val="accent1">
-              <a:lumMod val="60000"/>
-              <a:lumOff val="40000"/>
-            </a:schemeClr>
-          </a:solidFill>
-          <a:ln>
-            <a:noFill/>
-          </a:ln>
-        </p:spPr>
-        <p:style>
-          <a:lnRef idx="2">
-            <a:schemeClr val="accent1">
-              <a:shade val="50000"/>
-            </a:schemeClr>
-          </a:lnRef>
-          <a:fillRef idx="1">
-            <a:schemeClr val="accent1"/>
-          </a:fillRef>
-          <a:effectRef idx="0">
-            <a:schemeClr val="accent1"/>
-          </a:effectRef>
-          <a:fontRef idx="minor">
-            <a:schemeClr val="lt1"/>
-          </a:fontRef>
-        </p:style>
-        <p:txBody>
-          <a:bodyPr rtlCol="0" anchor="ctr"/>
-          <a:lstStyle/>
-          <a:p>
-            <a:pPr algn="ctr"/>
-            <a:r>
-              <a:rPr lang="pt-BR" sz="1200" dirty="0"/>
-              <a:t>MDRD-6</a:t>
-            </a:r>
-            <a:endParaRPr lang="en-GB" sz="1200" dirty="0"/>
-          </a:p>
-        </p:txBody>
-      </p:sp>
-      <p:sp>
-        <p:nvSpPr>
-          <p:cNvPr id="34" name="Rectangle: Rounded Corners 33">
-            <a:extLst>
-              <a:ext uri="{FF2B5EF4-FFF2-40B4-BE49-F238E27FC236}">
-                <a16:creationId xmlns:a16="http://schemas.microsoft.com/office/drawing/2014/main" id="{D80C0868-FB24-4302-99D6-3807769D78CF}"/>
-              </a:ext>
-            </a:extLst>
-          </p:cNvPr>
-          <p:cNvSpPr/>
-          <p:nvPr/>
-        </p:nvSpPr>
-        <p:spPr>
-          <a:xfrm>
-            <a:off x="8902929" y="1958149"/>
-            <a:ext cx="1345630" cy="334120"/>
-          </a:xfrm>
-          <a:prstGeom prst="roundRect">
-            <a:avLst/>
-          </a:prstGeom>
-          <a:solidFill>
-            <a:schemeClr val="accent1">
-              <a:lumMod val="60000"/>
-              <a:lumOff val="40000"/>
-            </a:schemeClr>
-          </a:solidFill>
-          <a:ln>
-            <a:noFill/>
-          </a:ln>
-        </p:spPr>
-        <p:style>
-          <a:lnRef idx="2">
-            <a:schemeClr val="accent1">
-              <a:shade val="50000"/>
-            </a:schemeClr>
-          </a:lnRef>
-          <a:fillRef idx="1">
-            <a:schemeClr val="accent1"/>
-          </a:fillRef>
-          <a:effectRef idx="0">
-            <a:schemeClr val="accent1"/>
-          </a:effectRef>
-          <a:fontRef idx="minor">
-            <a:schemeClr val="lt1"/>
-          </a:fontRef>
-        </p:style>
-        <p:txBody>
-          <a:bodyPr rtlCol="0" anchor="ctr"/>
-          <a:lstStyle/>
-          <a:p>
-            <a:pPr algn="ctr"/>
-            <a:r>
-              <a:rPr lang="pt-BR" sz="1200" dirty="0"/>
-              <a:t>Cockcroft-</a:t>
-            </a:r>
-            <a:r>
-              <a:rPr lang="pt-BR" sz="1200" dirty="0" err="1"/>
-              <a:t>Gault</a:t>
-            </a:r>
-            <a:endParaRPr lang="en-GB" sz="1200" dirty="0"/>
-          </a:p>
-        </p:txBody>
-      </p:sp>
-      <p:sp>
-        <p:nvSpPr>
-          <p:cNvPr id="35" name="Rectangle: Rounded Corners 34">
-            <a:extLst>
-              <a:ext uri="{FF2B5EF4-FFF2-40B4-BE49-F238E27FC236}">
-                <a16:creationId xmlns:a16="http://schemas.microsoft.com/office/drawing/2014/main" id="{8D11B05B-4984-41C0-B3CB-F93E2133C5F5}"/>
-              </a:ext>
-            </a:extLst>
-          </p:cNvPr>
-          <p:cNvSpPr/>
-          <p:nvPr/>
-        </p:nvSpPr>
-        <p:spPr>
-          <a:xfrm>
-            <a:off x="8902928" y="2376228"/>
-            <a:ext cx="1345631" cy="334120"/>
-          </a:xfrm>
-          <a:prstGeom prst="roundRect">
-            <a:avLst/>
-          </a:prstGeom>
-          <a:solidFill>
-            <a:schemeClr val="accent1">
-              <a:lumMod val="60000"/>
-              <a:lumOff val="40000"/>
-            </a:schemeClr>
-          </a:solidFill>
-          <a:ln>
-            <a:noFill/>
-          </a:ln>
-        </p:spPr>
-        <p:style>
-          <a:lnRef idx="2">
-            <a:schemeClr val="accent1">
-              <a:shade val="50000"/>
-            </a:schemeClr>
-          </a:lnRef>
-          <a:fillRef idx="1">
-            <a:schemeClr val="accent1"/>
-          </a:fillRef>
-          <a:effectRef idx="0">
-            <a:schemeClr val="accent1"/>
-          </a:effectRef>
-          <a:fontRef idx="minor">
-            <a:schemeClr val="lt1"/>
-          </a:fontRef>
-        </p:style>
-        <p:txBody>
-          <a:bodyPr rtlCol="0" anchor="ctr"/>
-          <a:lstStyle/>
-          <a:p>
-            <a:pPr algn="ctr"/>
-            <a:r>
-              <a:rPr lang="pt-BR" sz="1200" dirty="0"/>
-              <a:t>Cockcroft-</a:t>
-            </a:r>
-            <a:r>
-              <a:rPr lang="pt-BR" sz="1200" dirty="0" err="1"/>
-              <a:t>Gault</a:t>
-            </a:r>
-            <a:r>
-              <a:rPr lang="pt-BR" sz="1200" dirty="0"/>
-              <a:t>*</a:t>
-            </a:r>
-            <a:endParaRPr lang="en-GB" sz="1200" dirty="0"/>
-          </a:p>
-        </p:txBody>
-      </p:sp>
-      <p:sp>
-        <p:nvSpPr>
-          <p:cNvPr id="37" name="Left Brace 36">
-            <a:extLst>
-              <a:ext uri="{FF2B5EF4-FFF2-40B4-BE49-F238E27FC236}">
-                <a16:creationId xmlns:a16="http://schemas.microsoft.com/office/drawing/2014/main" id="{E26DEEBB-4DAA-4DB0-8E8B-8E7F630B89B8}"/>
-              </a:ext>
-            </a:extLst>
-          </p:cNvPr>
-          <p:cNvSpPr/>
-          <p:nvPr/>
-        </p:nvSpPr>
-        <p:spPr>
-          <a:xfrm>
-            <a:off x="8611985" y="1148047"/>
-            <a:ext cx="169028" cy="1980379"/>
-          </a:xfrm>
-          <a:prstGeom prst="leftBrace">
-            <a:avLst/>
-          </a:prstGeom>
-        </p:spPr>
-        <p:style>
-          <a:lnRef idx="1">
-            <a:schemeClr val="accent1"/>
-          </a:lnRef>
-          <a:fillRef idx="0">
-            <a:schemeClr val="accent1"/>
-          </a:fillRef>
-          <a:effectRef idx="0">
-            <a:schemeClr val="accent1"/>
-          </a:effectRef>
-          <a:fontRef idx="minor">
-            <a:schemeClr val="tx1"/>
-          </a:fontRef>
-        </p:style>
-        <p:txBody>
-          <a:bodyPr rtlCol="0" anchor="ctr"/>
-          <a:lstStyle/>
-          <a:p>
-            <a:pPr algn="ctr"/>
-            <a:endParaRPr lang="en-GB"/>
-          </a:p>
-        </p:txBody>
-      </p:sp>
-      <p:sp>
-        <p:nvSpPr>
-          <p:cNvPr id="38" name="Oval 37">
-            <a:extLst>
-              <a:ext uri="{FF2B5EF4-FFF2-40B4-BE49-F238E27FC236}">
-                <a16:creationId xmlns:a16="http://schemas.microsoft.com/office/drawing/2014/main" id="{15AEA577-B2D8-4F94-B0DF-FCDB289E35D7}"/>
-              </a:ext>
-            </a:extLst>
-          </p:cNvPr>
-          <p:cNvSpPr>
-            <a:spLocks noChangeAspect="1"/>
-          </p:cNvSpPr>
-          <p:nvPr/>
-        </p:nvSpPr>
-        <p:spPr>
-          <a:xfrm>
-            <a:off x="8221288" y="2001076"/>
-            <a:ext cx="274320" cy="274320"/>
-          </a:xfrm>
-          <a:prstGeom prst="ellipse">
-            <a:avLst/>
-          </a:prstGeom>
-          <a:solidFill>
-            <a:srgbClr val="FFC000"/>
-          </a:solidFill>
-          <a:ln>
-            <a:noFill/>
-          </a:ln>
-        </p:spPr>
-        <p:style>
-          <a:lnRef idx="2">
-            <a:schemeClr val="accent1">
-              <a:shade val="50000"/>
-            </a:schemeClr>
-          </a:lnRef>
-          <a:fillRef idx="1">
-            <a:schemeClr val="accent1"/>
-          </a:fillRef>
-          <a:effectRef idx="0">
-            <a:schemeClr val="accent1"/>
-          </a:effectRef>
-          <a:fontRef idx="minor">
-            <a:schemeClr val="lt1"/>
-          </a:fontRef>
-        </p:style>
-        <p:txBody>
-          <a:bodyPr rtlCol="0" anchor="ctr"/>
-          <a:lstStyle/>
-          <a:p>
-            <a:pPr algn="ctr"/>
-            <a:r>
-              <a:rPr lang="pt-BR" sz="1600" dirty="0"/>
-              <a:t>1</a:t>
-            </a:r>
-            <a:endParaRPr lang="en-GB" sz="1600" dirty="0"/>
-          </a:p>
-        </p:txBody>
-      </p:sp>
-      <p:sp>
-        <p:nvSpPr>
-          <p:cNvPr id="39" name="Rectangle: Rounded Corners 38">
-            <a:extLst>
-              <a:ext uri="{FF2B5EF4-FFF2-40B4-BE49-F238E27FC236}">
-                <a16:creationId xmlns:a16="http://schemas.microsoft.com/office/drawing/2014/main" id="{968605A2-769F-4E7B-8CE0-3CFF0F5AB58B}"/>
-              </a:ext>
-            </a:extLst>
-          </p:cNvPr>
-          <p:cNvSpPr/>
-          <p:nvPr/>
-        </p:nvSpPr>
-        <p:spPr>
-          <a:xfrm>
-            <a:off x="8902928" y="3320704"/>
-            <a:ext cx="1345628" cy="334120"/>
-          </a:xfrm>
-          <a:prstGeom prst="roundRect">
-            <a:avLst/>
-          </a:prstGeom>
-          <a:solidFill>
-            <a:schemeClr val="accent1">
-              <a:lumMod val="60000"/>
-              <a:lumOff val="40000"/>
-            </a:schemeClr>
-          </a:solidFill>
-          <a:ln>
-            <a:noFill/>
-          </a:ln>
-        </p:spPr>
-        <p:style>
-          <a:lnRef idx="2">
-            <a:schemeClr val="accent1">
-              <a:shade val="50000"/>
-            </a:schemeClr>
-          </a:lnRef>
-          <a:fillRef idx="1">
-            <a:schemeClr val="accent1"/>
-          </a:fillRef>
-          <a:effectRef idx="0">
-            <a:schemeClr val="accent1"/>
-          </a:effectRef>
-          <a:fontRef idx="minor">
-            <a:schemeClr val="lt1"/>
-          </a:fontRef>
-        </p:style>
-        <p:txBody>
-          <a:bodyPr rtlCol="0" anchor="ctr"/>
-          <a:lstStyle/>
-          <a:p>
-            <a:pPr algn="ctr"/>
-            <a:r>
-              <a:rPr lang="pt-BR" sz="1200" dirty="0"/>
-              <a:t>Tentativa 1</a:t>
-            </a:r>
-            <a:endParaRPr lang="en-GB" sz="1200" dirty="0"/>
-          </a:p>
-        </p:txBody>
-      </p:sp>
-      <p:sp>
-        <p:nvSpPr>
-          <p:cNvPr id="40" name="Rectangle: Rounded Corners 39">
-            <a:extLst>
-              <a:ext uri="{FF2B5EF4-FFF2-40B4-BE49-F238E27FC236}">
-                <a16:creationId xmlns:a16="http://schemas.microsoft.com/office/drawing/2014/main" id="{019C1A77-C444-4D61-98A1-0AD5911AFF8D}"/>
-              </a:ext>
-            </a:extLst>
-          </p:cNvPr>
-          <p:cNvSpPr/>
-          <p:nvPr/>
-        </p:nvSpPr>
-        <p:spPr>
-          <a:xfrm>
-            <a:off x="8902928" y="3772362"/>
-            <a:ext cx="1345628" cy="334120"/>
-          </a:xfrm>
-          <a:prstGeom prst="roundRect">
-            <a:avLst/>
-          </a:prstGeom>
-          <a:solidFill>
-            <a:schemeClr val="accent1">
-              <a:lumMod val="60000"/>
-              <a:lumOff val="40000"/>
-            </a:schemeClr>
-          </a:solidFill>
-          <a:ln>
-            <a:noFill/>
-          </a:ln>
-        </p:spPr>
-        <p:style>
-          <a:lnRef idx="2">
-            <a:schemeClr val="accent1">
-              <a:shade val="50000"/>
-            </a:schemeClr>
-          </a:lnRef>
-          <a:fillRef idx="1">
-            <a:schemeClr val="accent1"/>
-          </a:fillRef>
-          <a:effectRef idx="0">
-            <a:schemeClr val="accent1"/>
-          </a:effectRef>
-          <a:fontRef idx="minor">
-            <a:schemeClr val="lt1"/>
-          </a:fontRef>
-        </p:style>
-        <p:txBody>
-          <a:bodyPr rtlCol="0" anchor="ctr"/>
-          <a:lstStyle/>
-          <a:p>
-            <a:pPr algn="ctr"/>
-            <a:r>
-              <a:rPr lang="pt-BR" sz="1200" dirty="0"/>
-              <a:t>Tentativa 2</a:t>
-            </a:r>
-            <a:endParaRPr lang="en-GB" sz="1200" dirty="0"/>
-          </a:p>
-        </p:txBody>
-      </p:sp>
-      <p:sp>
-        <p:nvSpPr>
-          <p:cNvPr id="41" name="Left Brace 40">
-            <a:extLst>
-              <a:ext uri="{FF2B5EF4-FFF2-40B4-BE49-F238E27FC236}">
-                <a16:creationId xmlns:a16="http://schemas.microsoft.com/office/drawing/2014/main" id="{91234999-C1CD-42CC-801A-C3012C1C4EA3}"/>
-              </a:ext>
-            </a:extLst>
-          </p:cNvPr>
-          <p:cNvSpPr/>
-          <p:nvPr/>
-        </p:nvSpPr>
-        <p:spPr>
-          <a:xfrm>
-            <a:off x="8611985" y="3320704"/>
-            <a:ext cx="169028" cy="1281556"/>
-          </a:xfrm>
-          <a:prstGeom prst="leftBrace">
-            <a:avLst/>
-          </a:prstGeom>
-        </p:spPr>
-        <p:style>
-          <a:lnRef idx="1">
-            <a:schemeClr val="accent1"/>
-          </a:lnRef>
-          <a:fillRef idx="0">
-            <a:schemeClr val="accent1"/>
-          </a:fillRef>
-          <a:effectRef idx="0">
-            <a:schemeClr val="accent1"/>
-          </a:effectRef>
-          <a:fontRef idx="minor">
-            <a:schemeClr val="tx1"/>
-          </a:fontRef>
-        </p:style>
-        <p:txBody>
-          <a:bodyPr rtlCol="0" anchor="ctr"/>
-          <a:lstStyle/>
-          <a:p>
-            <a:pPr algn="ctr"/>
-            <a:endParaRPr lang="en-GB"/>
-          </a:p>
-        </p:txBody>
-      </p:sp>
-      <p:sp>
-        <p:nvSpPr>
-          <p:cNvPr id="44" name="TextBox 43">
-            <a:extLst>
-              <a:ext uri="{FF2B5EF4-FFF2-40B4-BE49-F238E27FC236}">
-                <a16:creationId xmlns:a16="http://schemas.microsoft.com/office/drawing/2014/main" id="{9C645E83-2AF6-4B97-9D6A-C54337032042}"/>
+          <p:cNvPr id="47" name="TextBox 46">
+            <a:extLst>
+              <a:ext uri="{FF2B5EF4-FFF2-40B4-BE49-F238E27FC236}">
+                <a16:creationId xmlns:a16="http://schemas.microsoft.com/office/drawing/2014/main" id="{2C5A7372-74C1-4B0C-BE86-C2DA2EFE7DDA}"/>
               </a:ext>
             </a:extLst>
           </p:cNvPr>
@@ -13960,8 +13448,8 @@
         </p:nvSpPr>
         <p:spPr>
           <a:xfrm>
-            <a:off x="7464829" y="3547767"/>
-            <a:ext cx="1239979" cy="830997"/>
+            <a:off x="2049603" y="3966782"/>
+            <a:ext cx="1418708" cy="369332"/>
           </a:xfrm>
           <a:prstGeom prst="rect">
             <a:avLst/>
@@ -13974,192 +13462,6 @@
           </a:bodyPr>
           <a:lstStyle/>
           <a:p>
-            <a:pPr algn="r"/>
-            <a:r>
-              <a:rPr lang="pt-BR" sz="1200" i="1" dirty="0">
-                <a:solidFill>
-                  <a:schemeClr val="accent2"/>
-                </a:solidFill>
-              </a:rPr>
-              <a:t>Notebook:</a:t>
-            </a:r>
-          </a:p>
-          <a:p>
-            <a:pPr algn="r"/>
-            <a:r>
-              <a:rPr lang="pt-BR" sz="1200" i="1" dirty="0">
-                <a:solidFill>
-                  <a:schemeClr val="accent2"/>
-                </a:solidFill>
-              </a:rPr>
-              <a:t>Estudos de DRC, Etapa 1, </a:t>
-            </a:r>
-          </a:p>
-          <a:p>
-            <a:pPr algn="r"/>
-            <a:r>
-              <a:rPr lang="pt-BR" sz="1200" i="1" dirty="0">
-                <a:solidFill>
-                  <a:schemeClr val="accent2"/>
-                </a:solidFill>
-              </a:rPr>
-              <a:t>Caderno 1</a:t>
-            </a:r>
-          </a:p>
-        </p:txBody>
-      </p:sp>
-      <p:sp>
-        <p:nvSpPr>
-          <p:cNvPr id="45" name="Rectangle: Rounded Corners 44">
-            <a:extLst>
-              <a:ext uri="{FF2B5EF4-FFF2-40B4-BE49-F238E27FC236}">
-                <a16:creationId xmlns:a16="http://schemas.microsoft.com/office/drawing/2014/main" id="{997F8F09-1668-4178-9E99-6571AD0B23B8}"/>
-              </a:ext>
-            </a:extLst>
-          </p:cNvPr>
-          <p:cNvSpPr/>
-          <p:nvPr/>
-        </p:nvSpPr>
-        <p:spPr>
-          <a:xfrm>
-            <a:off x="8901892" y="2794307"/>
-            <a:ext cx="1345628" cy="334120"/>
-          </a:xfrm>
-          <a:prstGeom prst="roundRect">
-            <a:avLst/>
-          </a:prstGeom>
-          <a:solidFill>
-            <a:schemeClr val="bg1">
-              <a:lumMod val="65000"/>
-            </a:schemeClr>
-          </a:solidFill>
-          <a:ln>
-            <a:solidFill>
-              <a:schemeClr val="bg1">
-                <a:lumMod val="50000"/>
-              </a:schemeClr>
-            </a:solidFill>
-          </a:ln>
-        </p:spPr>
-        <p:style>
-          <a:lnRef idx="2">
-            <a:schemeClr val="accent1">
-              <a:shade val="50000"/>
-            </a:schemeClr>
-          </a:lnRef>
-          <a:fillRef idx="1">
-            <a:schemeClr val="accent1"/>
-          </a:fillRef>
-          <a:effectRef idx="0">
-            <a:schemeClr val="accent1"/>
-          </a:effectRef>
-          <a:fontRef idx="minor">
-            <a:schemeClr val="lt1"/>
-          </a:fontRef>
-        </p:style>
-        <p:txBody>
-          <a:bodyPr rtlCol="0" anchor="ctr"/>
-          <a:lstStyle/>
-          <a:p>
-            <a:pPr algn="ctr"/>
-            <a:r>
-              <a:rPr lang="pt-BR" sz="1200" dirty="0"/>
-              <a:t>TFG Padrão Ouro</a:t>
-            </a:r>
-            <a:endParaRPr lang="en-GB" sz="1200" dirty="0"/>
-          </a:p>
-        </p:txBody>
-      </p:sp>
-      <p:sp>
-        <p:nvSpPr>
-          <p:cNvPr id="46" name="Rectangle: Rounded Corners 45">
-            <a:extLst>
-              <a:ext uri="{FF2B5EF4-FFF2-40B4-BE49-F238E27FC236}">
-                <a16:creationId xmlns:a16="http://schemas.microsoft.com/office/drawing/2014/main" id="{153B6007-E618-4037-8AEC-7DDEA3C80CF4}"/>
-              </a:ext>
-            </a:extLst>
-          </p:cNvPr>
-          <p:cNvSpPr/>
-          <p:nvPr/>
-        </p:nvSpPr>
-        <p:spPr>
-          <a:xfrm>
-            <a:off x="8908132" y="4226575"/>
-            <a:ext cx="1345628" cy="334120"/>
-          </a:xfrm>
-          <a:prstGeom prst="roundRect">
-            <a:avLst/>
-          </a:prstGeom>
-          <a:solidFill>
-            <a:schemeClr val="bg1">
-              <a:lumMod val="65000"/>
-            </a:schemeClr>
-          </a:solidFill>
-          <a:ln>
-            <a:solidFill>
-              <a:schemeClr val="bg1">
-                <a:lumMod val="50000"/>
-              </a:schemeClr>
-            </a:solidFill>
-          </a:ln>
-        </p:spPr>
-        <p:style>
-          <a:lnRef idx="2">
-            <a:schemeClr val="accent1">
-              <a:shade val="50000"/>
-            </a:schemeClr>
-          </a:lnRef>
-          <a:fillRef idx="1">
-            <a:schemeClr val="accent1"/>
-          </a:fillRef>
-          <a:effectRef idx="0">
-            <a:schemeClr val="accent1"/>
-          </a:effectRef>
-          <a:fontRef idx="minor">
-            <a:schemeClr val="lt1"/>
-          </a:fontRef>
-        </p:style>
-        <p:txBody>
-          <a:bodyPr rtlCol="0" anchor="ctr"/>
-          <a:lstStyle/>
-          <a:p>
-            <a:pPr algn="ctr"/>
-            <a:r>
-              <a:rPr lang="pt-BR" sz="1200" dirty="0"/>
-              <a:t>TFG Padrão Ouro</a:t>
-            </a:r>
-            <a:endParaRPr lang="en-GB" sz="1200" dirty="0"/>
-          </a:p>
-        </p:txBody>
-      </p:sp>
-      <p:sp>
-        <p:nvSpPr>
-          <p:cNvPr id="47" name="TextBox 46">
-            <a:extLst>
-              <a:ext uri="{FF2B5EF4-FFF2-40B4-BE49-F238E27FC236}">
-                <a16:creationId xmlns:a16="http://schemas.microsoft.com/office/drawing/2014/main" id="{2C5A7372-74C1-4B0C-BE86-C2DA2EFE7DDA}"/>
-              </a:ext>
-            </a:extLst>
-          </p:cNvPr>
-          <p:cNvSpPr txBox="1"/>
-          <p:nvPr/>
-        </p:nvSpPr>
-        <p:spPr>
-          <a:xfrm>
-            <a:off x="2049603" y="3966782"/>
-            <a:ext cx="1418708" cy="369332"/>
-          </a:xfrm>
-          <a:prstGeom prst="rect">
-            <a:avLst/>
-          </a:prstGeom>
-          <a:noFill/>
-        </p:spPr>
-        <p:txBody>
-          <a:bodyPr wrap="square" rtlCol="0">
-            <a:spAutoFit/>
-          </a:bodyPr>
-          <a:lstStyle/>
-          <a:p>
             <a:pPr algn="ctr"/>
             <a:r>
               <a:rPr lang="pt-BR" dirty="0"/>
@@ -14184,7 +13486,7 @@
         <p:spPr>
           <a:xfrm>
             <a:off x="0" y="0"/>
-            <a:ext cx="5603458" cy="646331"/>
+            <a:ext cx="5308761" cy="646331"/>
           </a:xfrm>
           <a:prstGeom prst="rect">
             <a:avLst/>
@@ -14306,7 +13608,7 @@
                   </a:bgClr>
                 </a:pattFill>
               </a:rPr>
-              <a:t>Trama</a:t>
+              <a:t>Foco</a:t>
             </a:r>
             <a:endParaRPr lang="en-US" sz="3600" b="1" cap="none" spc="0" dirty="0">
               <a:ln w="12700">
@@ -14331,320 +13633,6 @@
           </a:p>
         </p:txBody>
       </p:sp>
-      <p:sp>
-        <p:nvSpPr>
-          <p:cNvPr id="49" name="TextBox 48">
-            <a:extLst>
-              <a:ext uri="{FF2B5EF4-FFF2-40B4-BE49-F238E27FC236}">
-                <a16:creationId xmlns:a16="http://schemas.microsoft.com/office/drawing/2014/main" id="{F1D0BD6D-DEBF-40B3-B4A0-26F8E73C5169}"/>
-              </a:ext>
-            </a:extLst>
-          </p:cNvPr>
-          <p:cNvSpPr txBox="1"/>
-          <p:nvPr/>
-        </p:nvSpPr>
-        <p:spPr>
-          <a:xfrm>
-            <a:off x="10247518" y="1171308"/>
-            <a:ext cx="1523301" cy="261610"/>
-          </a:xfrm>
-          <a:prstGeom prst="rect">
-            <a:avLst/>
-          </a:prstGeom>
-          <a:noFill/>
-        </p:spPr>
-        <p:txBody>
-          <a:bodyPr wrap="square" rtlCol="0">
-            <a:spAutoFit/>
-          </a:bodyPr>
-          <a:lstStyle/>
-          <a:p>
-            <a:r>
-              <a:rPr lang="pt-BR" sz="1100" i="1" dirty="0">
-                <a:solidFill>
-                  <a:schemeClr val="accent2"/>
-                </a:solidFill>
-              </a:rPr>
-              <a:t>Idade, Sexo, Raça, </a:t>
-            </a:r>
-            <a:r>
-              <a:rPr lang="pt-BR" sz="1100" i="1" dirty="0" err="1">
-                <a:solidFill>
-                  <a:schemeClr val="accent2"/>
-                </a:solidFill>
-              </a:rPr>
-              <a:t>SCr</a:t>
-            </a:r>
-            <a:endParaRPr lang="pt-BR" sz="1100" i="1" dirty="0">
-              <a:solidFill>
-                <a:schemeClr val="accent2"/>
-              </a:solidFill>
-            </a:endParaRPr>
-          </a:p>
-        </p:txBody>
-      </p:sp>
-      <p:sp>
-        <p:nvSpPr>
-          <p:cNvPr id="51" name="TextBox 50">
-            <a:extLst>
-              <a:ext uri="{FF2B5EF4-FFF2-40B4-BE49-F238E27FC236}">
-                <a16:creationId xmlns:a16="http://schemas.microsoft.com/office/drawing/2014/main" id="{918EC622-E0B6-4AEA-AA81-007BACE52EBA}"/>
-              </a:ext>
-            </a:extLst>
-          </p:cNvPr>
-          <p:cNvSpPr txBox="1"/>
-          <p:nvPr/>
-        </p:nvSpPr>
-        <p:spPr>
-          <a:xfrm>
-            <a:off x="10247518" y="1467027"/>
-            <a:ext cx="1897375" cy="461665"/>
-          </a:xfrm>
-          <a:prstGeom prst="rect">
-            <a:avLst/>
-          </a:prstGeom>
-          <a:noFill/>
-        </p:spPr>
-        <p:txBody>
-          <a:bodyPr wrap="square" rtlCol="0">
-            <a:spAutoFit/>
-          </a:bodyPr>
-          <a:lstStyle>
-            <a:defPPr>
-              <a:defRPr lang="en-US"/>
-            </a:defPPr>
-            <a:lvl1pPr>
-              <a:defRPr sz="1100" i="1">
-                <a:solidFill>
-                  <a:schemeClr val="accent2"/>
-                </a:solidFill>
-              </a:defRPr>
-            </a:lvl1pPr>
-          </a:lstStyle>
-          <a:p>
-            <a:r>
-              <a:rPr lang="pt-BR" dirty="0"/>
-              <a:t>Idade, Sexo, Raça, </a:t>
-            </a:r>
-            <a:r>
-              <a:rPr lang="pt-BR" dirty="0" err="1"/>
-              <a:t>SCr</a:t>
-            </a:r>
-            <a:r>
-              <a:rPr lang="pt-BR" dirty="0"/>
-              <a:t>, </a:t>
-            </a:r>
-          </a:p>
-          <a:p>
-            <a:r>
-              <a:rPr lang="pt-BR" dirty="0"/>
-              <a:t>SUN, </a:t>
-            </a:r>
-            <a:r>
-              <a:rPr lang="pt-BR" dirty="0" err="1"/>
-              <a:t>Albumin</a:t>
-            </a:r>
-            <a:endParaRPr lang="pt-BR" dirty="0"/>
-          </a:p>
-        </p:txBody>
-      </p:sp>
-      <p:sp>
-        <p:nvSpPr>
-          <p:cNvPr id="54" name="TextBox 53">
-            <a:extLst>
-              <a:ext uri="{FF2B5EF4-FFF2-40B4-BE49-F238E27FC236}">
-                <a16:creationId xmlns:a16="http://schemas.microsoft.com/office/drawing/2014/main" id="{F8E70E6D-3DD3-4682-A5F6-54BED7704986}"/>
-              </a:ext>
-            </a:extLst>
-          </p:cNvPr>
-          <p:cNvSpPr txBox="1"/>
-          <p:nvPr/>
-        </p:nvSpPr>
-        <p:spPr>
-          <a:xfrm>
-            <a:off x="10247518" y="1976829"/>
-            <a:ext cx="1897375" cy="276999"/>
-          </a:xfrm>
-          <a:prstGeom prst="rect">
-            <a:avLst/>
-          </a:prstGeom>
-          <a:noFill/>
-        </p:spPr>
-        <p:txBody>
-          <a:bodyPr wrap="square" rtlCol="0">
-            <a:spAutoFit/>
-          </a:bodyPr>
-          <a:lstStyle>
-            <a:defPPr>
-              <a:defRPr lang="en-US"/>
-            </a:defPPr>
-            <a:lvl1pPr>
-              <a:defRPr sz="1100" i="1">
-                <a:solidFill>
-                  <a:schemeClr val="accent2"/>
-                </a:solidFill>
-              </a:defRPr>
-            </a:lvl1pPr>
-          </a:lstStyle>
-          <a:p>
-            <a:r>
-              <a:rPr lang="pt-BR" dirty="0"/>
-              <a:t>Idade, Sexo, Peso, BSA, </a:t>
-            </a:r>
-            <a:r>
-              <a:rPr lang="pt-BR" dirty="0" err="1"/>
-              <a:t>SCr</a:t>
-            </a:r>
-            <a:endParaRPr lang="pt-BR" dirty="0"/>
-          </a:p>
-        </p:txBody>
-      </p:sp>
-      <p:sp>
-        <p:nvSpPr>
-          <p:cNvPr id="55" name="TextBox 54">
-            <a:extLst>
-              <a:ext uri="{FF2B5EF4-FFF2-40B4-BE49-F238E27FC236}">
-                <a16:creationId xmlns:a16="http://schemas.microsoft.com/office/drawing/2014/main" id="{03E5C3DD-F977-4099-9A89-27682E38A58B}"/>
-              </a:ext>
-            </a:extLst>
-          </p:cNvPr>
-          <p:cNvSpPr txBox="1"/>
-          <p:nvPr/>
-        </p:nvSpPr>
-        <p:spPr>
-          <a:xfrm>
-            <a:off x="10247518" y="3351869"/>
-            <a:ext cx="1944482" cy="261610"/>
-          </a:xfrm>
-          <a:prstGeom prst="rect">
-            <a:avLst/>
-          </a:prstGeom>
-          <a:noFill/>
-        </p:spPr>
-        <p:txBody>
-          <a:bodyPr wrap="square" rtlCol="0">
-            <a:spAutoFit/>
-          </a:bodyPr>
-          <a:lstStyle>
-            <a:defPPr>
-              <a:defRPr lang="en-US"/>
-            </a:defPPr>
-            <a:lvl1pPr>
-              <a:defRPr sz="1100" i="1">
-                <a:solidFill>
-                  <a:schemeClr val="accent2"/>
-                </a:solidFill>
-              </a:defRPr>
-            </a:lvl1pPr>
-          </a:lstStyle>
-          <a:p>
-            <a:r>
-              <a:rPr lang="pt-BR" dirty="0"/>
-              <a:t>MDRD-4, sem transformação</a:t>
-            </a:r>
-          </a:p>
-        </p:txBody>
-      </p:sp>
-      <p:sp>
-        <p:nvSpPr>
-          <p:cNvPr id="58" name="TextBox 57">
-            <a:extLst>
-              <a:ext uri="{FF2B5EF4-FFF2-40B4-BE49-F238E27FC236}">
-                <a16:creationId xmlns:a16="http://schemas.microsoft.com/office/drawing/2014/main" id="{7433BD3D-A618-471C-B3F4-C1181A749CCC}"/>
-              </a:ext>
-            </a:extLst>
-          </p:cNvPr>
-          <p:cNvSpPr txBox="1"/>
-          <p:nvPr/>
-        </p:nvSpPr>
-        <p:spPr>
-          <a:xfrm>
-            <a:off x="10247518" y="3799650"/>
-            <a:ext cx="1897374" cy="261610"/>
-          </a:xfrm>
-          <a:prstGeom prst="rect">
-            <a:avLst/>
-          </a:prstGeom>
-          <a:noFill/>
-        </p:spPr>
-        <p:txBody>
-          <a:bodyPr wrap="square" rtlCol="0">
-            <a:spAutoFit/>
-          </a:bodyPr>
-          <a:lstStyle>
-            <a:defPPr>
-              <a:defRPr lang="en-US"/>
-            </a:defPPr>
-            <a:lvl1pPr>
-              <a:defRPr sz="1100" i="1">
-                <a:solidFill>
-                  <a:schemeClr val="accent2"/>
-                </a:solidFill>
-              </a:defRPr>
-            </a:lvl1pPr>
-          </a:lstStyle>
-          <a:p>
-            <a:r>
-              <a:rPr lang="pt-BR" dirty="0"/>
-              <a:t>MDRD-4, ‘com transformação</a:t>
-            </a:r>
-          </a:p>
-        </p:txBody>
-      </p:sp>
-      <p:sp>
-        <p:nvSpPr>
-          <p:cNvPr id="61" name="TextBox 60">
-            <a:extLst>
-              <a:ext uri="{FF2B5EF4-FFF2-40B4-BE49-F238E27FC236}">
-                <a16:creationId xmlns:a16="http://schemas.microsoft.com/office/drawing/2014/main" id="{77CD09C8-C409-4F83-8EC7-3FB39003D06A}"/>
-              </a:ext>
-            </a:extLst>
-          </p:cNvPr>
-          <p:cNvSpPr txBox="1"/>
-          <p:nvPr/>
-        </p:nvSpPr>
-        <p:spPr>
-          <a:xfrm>
-            <a:off x="10247517" y="2405359"/>
-            <a:ext cx="1897375" cy="276999"/>
-          </a:xfrm>
-          <a:prstGeom prst="rect">
-            <a:avLst/>
-          </a:prstGeom>
-          <a:noFill/>
-        </p:spPr>
-        <p:txBody>
-          <a:bodyPr wrap="square" rtlCol="0">
-            <a:spAutoFit/>
-          </a:bodyPr>
-          <a:lstStyle>
-            <a:defPPr>
-              <a:defRPr lang="en-US"/>
-            </a:defPPr>
-            <a:lvl1pPr>
-              <a:defRPr sz="1100" i="1">
-                <a:solidFill>
-                  <a:schemeClr val="accent2"/>
-                </a:solidFill>
-              </a:defRPr>
-            </a:lvl1pPr>
-          </a:lstStyle>
-          <a:p>
-            <a:r>
-              <a:rPr lang="pt-BR" dirty="0"/>
-              <a:t>Idade, Sexo, Peso, BSA, </a:t>
-            </a:r>
-            <a:r>
-              <a:rPr lang="pt-BR" dirty="0" err="1"/>
-              <a:t>SCr</a:t>
-            </a:r>
-            <a:r>
-              <a:rPr lang="pt-BR" dirty="0"/>
-              <a:t>*</a:t>
-            </a:r>
-          </a:p>
-        </p:txBody>
-      </p:sp>
       <p:cxnSp>
         <p:nvCxnSpPr>
           <p:cNvPr id="67" name="Straight Arrow Connector 7">
@@ -14693,118 +13681,6 @@
           </a:fontRef>
         </p:style>
       </p:cxnSp>
-      <p:sp>
-        <p:nvSpPr>
-          <p:cNvPr id="52" name="TextBox 51">
-            <a:extLst>
-              <a:ext uri="{FF2B5EF4-FFF2-40B4-BE49-F238E27FC236}">
-                <a16:creationId xmlns:a16="http://schemas.microsoft.com/office/drawing/2014/main" id="{16DB74FC-53F0-41F3-A5A0-A8F7ED8D853E}"/>
-              </a:ext>
-            </a:extLst>
-          </p:cNvPr>
-          <p:cNvSpPr txBox="1"/>
-          <p:nvPr/>
-        </p:nvSpPr>
-        <p:spPr>
-          <a:xfrm>
-            <a:off x="8696499" y="247535"/>
-            <a:ext cx="3448393" cy="830997"/>
-          </a:xfrm>
-          <a:prstGeom prst="rect">
-            <a:avLst/>
-          </a:prstGeom>
-          <a:noFill/>
-        </p:spPr>
-        <p:txBody>
-          <a:bodyPr wrap="square" rtlCol="0">
-            <a:spAutoFit/>
-          </a:bodyPr>
-          <a:lstStyle/>
-          <a:p>
-            <a:r>
-              <a:rPr lang="pt-BR" sz="1200" i="1" dirty="0">
-                <a:solidFill>
-                  <a:schemeClr val="accent2"/>
-                </a:solidFill>
-              </a:rPr>
-              <a:t>Metodologia do estudo:</a:t>
-            </a:r>
-          </a:p>
-          <a:p>
-            <a:pPr marL="171450" indent="-171450">
-              <a:buFontTx/>
-              <a:buChar char="-"/>
-            </a:pPr>
-            <a:r>
-              <a:rPr lang="pt-BR" sz="1200" i="1" dirty="0">
-                <a:solidFill>
-                  <a:schemeClr val="accent2"/>
-                </a:solidFill>
-              </a:rPr>
-              <a:t>Regressão linear com variáveis transformadas</a:t>
-            </a:r>
-          </a:p>
-          <a:p>
-            <a:pPr marL="171450" indent="-171450">
-              <a:buFontTx/>
-              <a:buChar char="-"/>
-            </a:pPr>
-            <a:r>
-              <a:rPr lang="pt-BR" sz="1200" i="1" dirty="0">
-                <a:solidFill>
-                  <a:schemeClr val="accent2"/>
-                </a:solidFill>
-              </a:rPr>
-              <a:t>Critérios de comparação de equações: bias, percentagem bias, </a:t>
-            </a:r>
-            <a:r>
-              <a:rPr lang="pt-BR" sz="1200" i="1" dirty="0" err="1">
-                <a:solidFill>
-                  <a:schemeClr val="accent2"/>
-                </a:solidFill>
-              </a:rPr>
-              <a:t>precision</a:t>
-            </a:r>
-            <a:r>
-              <a:rPr lang="pt-BR" sz="1200" i="1" dirty="0">
-                <a:solidFill>
-                  <a:schemeClr val="accent2"/>
-                </a:solidFill>
-              </a:rPr>
-              <a:t>*, r-</a:t>
-            </a:r>
-            <a:r>
-              <a:rPr lang="pt-BR" sz="1200" i="1" dirty="0" err="1">
-                <a:solidFill>
-                  <a:schemeClr val="accent2"/>
-                </a:solidFill>
-              </a:rPr>
-              <a:t>squared</a:t>
-            </a:r>
-            <a:r>
-              <a:rPr lang="pt-BR" sz="1200" i="1" dirty="0">
-                <a:solidFill>
-                  <a:schemeClr val="accent2"/>
-                </a:solidFill>
-              </a:rPr>
-              <a:t>, </a:t>
-            </a:r>
-            <a:r>
-              <a:rPr lang="pt-BR" sz="1200" i="1" dirty="0" err="1">
-                <a:solidFill>
-                  <a:schemeClr val="accent2"/>
-                </a:solidFill>
-              </a:rPr>
-              <a:t>accuracy</a:t>
-            </a:r>
-            <a:endParaRPr lang="pt-BR" sz="1200" i="1" dirty="0">
-              <a:solidFill>
-                <a:schemeClr val="accent2"/>
-              </a:solidFill>
-            </a:endParaRPr>
-          </a:p>
-        </p:txBody>
-      </p:sp>
     </p:spTree>
     <p:extLst>
       <p:ext uri="{BB962C8B-B14F-4D97-AF65-F5344CB8AC3E}">
@@ -15335,8 +14211,8 @@
         </p:nvSpPr>
         <p:spPr>
           <a:xfrm>
-            <a:off x="189111" y="4052988"/>
-            <a:ext cx="1713807" cy="2677656"/>
+            <a:off x="41060" y="4044024"/>
+            <a:ext cx="1999472" cy="2308324"/>
           </a:xfrm>
           <a:prstGeom prst="rect">
             <a:avLst/>
@@ -15347,62 +14223,64 @@
           <a:bodyPr wrap="square" rtlCol="0">
             <a:spAutoFit/>
           </a:bodyPr>
-          <a:lstStyle/>
-          <a:p>
-            <a:r>
-              <a:rPr lang="pt-BR" sz="1200" i="1" dirty="0">
+          <a:lstStyle>
+            <a:defPPr>
+              <a:defRPr lang="en-US"/>
+            </a:defPPr>
+            <a:lvl1pPr>
+              <a:defRPr sz="1200" i="1">
                 <a:solidFill>
                   <a:schemeClr val="accent6">
                     <a:lumMod val="75000"/>
                   </a:schemeClr>
                 </a:solidFill>
-              </a:rPr>
-              <a:t>MDRD-4 foi um bom ponto de partida porque a metodologia é mais simples de entender. Aprendemos que </a:t>
-            </a:r>
-            <a:r>
-              <a:rPr lang="pt-BR" sz="1200" i="1" dirty="0" err="1">
-                <a:solidFill>
-                  <a:schemeClr val="accent6">
-                    <a:lumMod val="75000"/>
-                  </a:schemeClr>
-                </a:solidFill>
-              </a:rPr>
-              <a:t>Levey</a:t>
-            </a:r>
-            <a:r>
-              <a:rPr lang="pt-BR" sz="1200" i="1" dirty="0">
-                <a:solidFill>
-                  <a:schemeClr val="accent6">
-                    <a:lumMod val="75000"/>
-                  </a:schemeClr>
-                </a:solidFill>
-              </a:rPr>
-              <a:t>+ usaram:</a:t>
-            </a:r>
-          </a:p>
-          <a:p>
-            <a:r>
-              <a:rPr lang="pt-BR" sz="1200" i="1" dirty="0">
-                <a:solidFill>
-                  <a:schemeClr val="accent6">
-                    <a:lumMod val="75000"/>
-                  </a:schemeClr>
-                </a:solidFill>
-              </a:rPr>
-              <a:t>(1) Regressão linear múltipla com algumas variáveis transformadas;</a:t>
-            </a:r>
-          </a:p>
-          <a:p>
-            <a:r>
-              <a:rPr lang="pt-BR" sz="1200" i="1" dirty="0">
-                <a:solidFill>
-                  <a:schemeClr val="accent6">
-                    <a:lumMod val="75000"/>
-                  </a:schemeClr>
-                </a:solidFill>
-              </a:rPr>
-              <a:t>(2) Diversos critérios para comparar a equação construída (MDRD-4) com equações anteriores.</a:t>
-            </a:r>
+              </a:defRPr>
+            </a:lvl1pPr>
+          </a:lstStyle>
+          <a:p>
+            <a:r>
+              <a:rPr lang="pt-BR" dirty="0"/>
+              <a:t>MDRD-4 foi um bom ponto de partida porque a metodologia é mais simples de entender:</a:t>
+            </a:r>
+          </a:p>
+          <a:p>
+            <a:endParaRPr lang="pt-BR" dirty="0"/>
+          </a:p>
+          <a:p>
+            <a:r>
+              <a:rPr lang="pt-BR" dirty="0"/>
+              <a:t>(1) Regressão linear com variáveis transformadas</a:t>
+            </a:r>
+          </a:p>
+          <a:p>
+            <a:endParaRPr lang="pt-BR" dirty="0"/>
+          </a:p>
+          <a:p>
+            <a:r>
+              <a:rPr lang="pt-BR" dirty="0"/>
+              <a:t>(2) Critérios de comparação de equações: bias (absoluto/relativo), </a:t>
+            </a:r>
+            <a:r>
+              <a:rPr lang="pt-BR" dirty="0" err="1"/>
+              <a:t>precision</a:t>
+            </a:r>
+            <a:r>
+              <a:rPr lang="pt-BR" dirty="0"/>
+              <a:t>, r-</a:t>
+            </a:r>
+            <a:r>
+              <a:rPr lang="pt-BR" dirty="0" err="1"/>
+              <a:t>squared</a:t>
+            </a:r>
+            <a:r>
+              <a:rPr lang="pt-BR" dirty="0"/>
+              <a:t>, </a:t>
+            </a:r>
+            <a:r>
+              <a:rPr lang="pt-BR" dirty="0" err="1"/>
+              <a:t>accuracy</a:t>
+            </a:r>
+            <a:endParaRPr lang="pt-BR" dirty="0"/>
           </a:p>
         </p:txBody>
       </p:sp>
@@ -16905,55 +15783,42 @@
           <a:bodyPr wrap="square" rtlCol="0">
             <a:spAutoFit/>
           </a:bodyPr>
-          <a:lstStyle/>
-          <a:p>
-            <a:r>
-              <a:rPr lang="pt-BR" sz="1200" i="1" dirty="0">
+          <a:lstStyle>
+            <a:defPPr>
+              <a:defRPr lang="en-US"/>
+            </a:defPPr>
+            <a:lvl1pPr>
+              <a:defRPr sz="1100" i="1">
                 <a:solidFill>
                   <a:schemeClr val="accent2"/>
                 </a:solidFill>
-              </a:rPr>
+              </a:defRPr>
+            </a:lvl1pPr>
+          </a:lstStyle>
+          <a:p>
+            <a:r>
+              <a:rPr lang="pt-BR" dirty="0"/>
               <a:t>Idade, Sexo, Raça, </a:t>
             </a:r>
             <a:r>
-              <a:rPr lang="pt-BR" sz="1200" i="1" dirty="0" err="1">
-                <a:solidFill>
-                  <a:schemeClr val="accent2"/>
-                </a:solidFill>
-              </a:rPr>
+              <a:rPr lang="pt-BR" dirty="0" err="1"/>
               <a:t>SCr</a:t>
             </a:r>
             <a:r>
-              <a:rPr lang="pt-BR" sz="1200" i="1" dirty="0">
-                <a:solidFill>
-                  <a:schemeClr val="accent2"/>
-                </a:solidFill>
-              </a:rPr>
+              <a:rPr lang="pt-BR" dirty="0"/>
               <a:t>, </a:t>
             </a:r>
           </a:p>
           <a:p>
             <a:r>
-              <a:rPr lang="pt-BR" sz="1200" i="1" dirty="0">
-                <a:solidFill>
-                  <a:schemeClr val="accent2"/>
-                </a:solidFill>
-              </a:rPr>
+              <a:rPr lang="pt-BR" dirty="0"/>
               <a:t>SUN, </a:t>
             </a:r>
             <a:r>
-              <a:rPr lang="pt-BR" sz="1200" i="1" dirty="0" err="1">
-                <a:solidFill>
-                  <a:schemeClr val="accent2"/>
-                </a:solidFill>
-              </a:rPr>
+              <a:rPr lang="pt-BR" dirty="0" err="1"/>
               <a:t>albumin</a:t>
             </a:r>
-            <a:endParaRPr lang="pt-BR" sz="1200" i="1" dirty="0">
-              <a:solidFill>
-                <a:schemeClr val="accent2"/>
-              </a:solidFill>
-            </a:endParaRPr>
+            <a:endParaRPr lang="pt-BR" dirty="0"/>
           </a:p>
         </p:txBody>
       </p:sp>
@@ -16983,29 +15848,28 @@
           <a:bodyPr wrap="square" rtlCol="0">
             <a:spAutoFit/>
           </a:bodyPr>
-          <a:lstStyle/>
-          <a:p>
-            <a:r>
-              <a:rPr lang="pt-BR" sz="1200" i="1" dirty="0">
+          <a:lstStyle>
+            <a:defPPr>
+              <a:defRPr lang="en-US"/>
+            </a:defPPr>
+            <a:lvl1pPr>
+              <a:defRPr sz="1100" i="1">
                 <a:solidFill>
                   <a:schemeClr val="accent2"/>
                 </a:solidFill>
-              </a:rPr>
+              </a:defRPr>
+            </a:lvl1pPr>
+          </a:lstStyle>
+          <a:p>
+            <a:r>
+              <a:rPr lang="pt-BR" dirty="0"/>
               <a:t>Idade, Sexo, Peso, BSA, </a:t>
             </a:r>
             <a:r>
-              <a:rPr lang="pt-BR" sz="1200" i="1" dirty="0" err="1">
-                <a:solidFill>
-                  <a:schemeClr val="accent2"/>
-                </a:solidFill>
-              </a:rPr>
+              <a:rPr lang="pt-BR" dirty="0" err="1"/>
               <a:t>SCr</a:t>
             </a:r>
-            <a:endParaRPr lang="pt-BR" sz="1200" i="1" dirty="0">
-              <a:solidFill>
-                <a:schemeClr val="accent2"/>
-              </a:solidFill>
-            </a:endParaRPr>
+            <a:endParaRPr lang="pt-BR" dirty="0"/>
           </a:p>
         </p:txBody>
       </p:sp>
@@ -17035,30 +15899,29 @@
           <a:bodyPr wrap="square" rtlCol="0">
             <a:spAutoFit/>
           </a:bodyPr>
-          <a:lstStyle/>
-          <a:p>
-            <a:r>
-              <a:rPr lang="pt-BR" sz="1200" i="1" dirty="0">
+          <a:lstStyle>
+            <a:defPPr>
+              <a:defRPr lang="en-US"/>
+            </a:defPPr>
+            <a:lvl1pPr>
+              <a:defRPr sz="1100" i="1">
                 <a:solidFill>
                   <a:schemeClr val="accent2"/>
                 </a:solidFill>
-              </a:rPr>
+              </a:defRPr>
+            </a:lvl1pPr>
+          </a:lstStyle>
+          <a:p>
+            <a:r>
+              <a:rPr lang="pt-BR" dirty="0"/>
               <a:t>Idade, Sexo, Peso, BSA, </a:t>
             </a:r>
             <a:r>
-              <a:rPr lang="pt-BR" sz="1200" i="1" dirty="0" err="1">
-                <a:solidFill>
-                  <a:schemeClr val="accent2"/>
-                </a:solidFill>
-              </a:rPr>
+              <a:rPr lang="pt-BR" dirty="0" err="1"/>
               <a:t>SCr</a:t>
             </a:r>
             <a:r>
-              <a:rPr lang="pt-BR" sz="1200" i="1" dirty="0">
-                <a:solidFill>
-                  <a:schemeClr val="accent2"/>
-                </a:solidFill>
-              </a:rPr>
+              <a:rPr lang="pt-BR" dirty="0"/>
               <a:t>*</a:t>
             </a:r>
           </a:p>
@@ -17406,14 +16269,21 @@
           <a:bodyPr wrap="square" rtlCol="0">
             <a:spAutoFit/>
           </a:bodyPr>
-          <a:lstStyle/>
-          <a:p>
-            <a:r>
-              <a:rPr lang="pt-BR" sz="1100" i="1" dirty="0">
+          <a:lstStyle>
+            <a:defPPr>
+              <a:defRPr lang="en-US"/>
+            </a:defPPr>
+            <a:lvl1pPr>
+              <a:defRPr sz="1100" i="1">
                 <a:solidFill>
                   <a:schemeClr val="accent2"/>
                 </a:solidFill>
-              </a:rPr>
+              </a:defRPr>
+            </a:lvl1pPr>
+          </a:lstStyle>
+          <a:p>
+            <a:r>
+              <a:rPr lang="pt-BR" dirty="0"/>
               <a:t>MDRD-4, sem transformação</a:t>
             </a:r>
           </a:p>
@@ -17435,6 +16305,52 @@
           <a:xfrm>
             <a:off x="10247518" y="3799650"/>
             <a:ext cx="1897374" cy="261610"/>
+          </a:xfrm>
+          <a:prstGeom prst="rect">
+            <a:avLst/>
+          </a:prstGeom>
+          <a:noFill/>
+        </p:spPr>
+        <p:txBody>
+          <a:bodyPr wrap="square" rtlCol="0">
+            <a:spAutoFit/>
+          </a:bodyPr>
+          <a:lstStyle>
+            <a:defPPr>
+              <a:defRPr lang="en-US"/>
+            </a:defPPr>
+            <a:lvl1pPr>
+              <a:defRPr sz="1100" i="1">
+                <a:solidFill>
+                  <a:schemeClr val="accent2"/>
+                </a:solidFill>
+              </a:defRPr>
+            </a:lvl1pPr>
+          </a:lstStyle>
+          <a:p>
+            <a:r>
+              <a:rPr lang="pt-BR" dirty="0"/>
+              <a:t>MDRD-4, com transformação</a:t>
+            </a:r>
+          </a:p>
+        </p:txBody>
+      </p:sp>
+      <p:sp>
+        <p:nvSpPr>
+          <p:cNvPr id="44" name="TextBox 43">
+            <a:extLst>
+              <a:ext uri="{FF2B5EF4-FFF2-40B4-BE49-F238E27FC236}">
+                <a16:creationId xmlns:a16="http://schemas.microsoft.com/office/drawing/2014/main" id="{B4A3D58F-4103-4B7C-89D5-C9F10B2D29C1}"/>
+              </a:ext>
+            </a:extLst>
+          </p:cNvPr>
+          <p:cNvSpPr txBox="1"/>
+          <p:nvPr/>
+        </p:nvSpPr>
+        <p:spPr>
+          <a:xfrm>
+            <a:off x="8696499" y="247535"/>
+            <a:ext cx="3448393" cy="830997"/>
           </a:xfrm>
           <a:prstGeom prst="rect">
             <a:avLst/>
@@ -17448,13 +16364,86 @@
           <a:lstStyle/>
           <a:p>
             <a:r>
-              <a:rPr lang="pt-BR" sz="1100" i="1" dirty="0">
+              <a:rPr lang="pt-BR" sz="1200" i="1" dirty="0">
                 <a:solidFill>
                   <a:schemeClr val="accent2"/>
                 </a:solidFill>
               </a:rPr>
-              <a:t>MDRD-4, com transformação</a:t>
-            </a:r>
+              <a:t>Metodologia do estudo:</a:t>
+            </a:r>
+          </a:p>
+          <a:p>
+            <a:pPr marL="171450" indent="-171450">
+              <a:buFontTx/>
+              <a:buChar char="-"/>
+            </a:pPr>
+            <a:r>
+              <a:rPr lang="pt-BR" sz="1200" i="1" dirty="0">
+                <a:solidFill>
+                  <a:schemeClr val="accent2"/>
+                </a:solidFill>
+              </a:rPr>
+              <a:t>Regressão linear com variáveis transformadas</a:t>
+            </a:r>
+          </a:p>
+          <a:p>
+            <a:pPr marL="171450" indent="-171450">
+              <a:buFontTx/>
+              <a:buChar char="-"/>
+            </a:pPr>
+            <a:r>
+              <a:rPr lang="pt-BR" sz="1200" i="1" dirty="0">
+                <a:solidFill>
+                  <a:schemeClr val="accent2"/>
+                </a:solidFill>
+              </a:rPr>
+              <a:t>Critérios de comparação de equações: bias (absoluto/relativo), </a:t>
+            </a:r>
+            <a:r>
+              <a:rPr lang="pt-BR" sz="1200" i="1" dirty="0" err="1">
+                <a:solidFill>
+                  <a:schemeClr val="accent2"/>
+                </a:solidFill>
+              </a:rPr>
+              <a:t>precision</a:t>
+            </a:r>
+            <a:r>
+              <a:rPr lang="pt-BR" sz="1200" i="1" dirty="0">
+                <a:solidFill>
+                  <a:schemeClr val="accent2"/>
+                </a:solidFill>
+              </a:rPr>
+              <a:t>, r-</a:t>
+            </a:r>
+            <a:r>
+              <a:rPr lang="pt-BR" sz="1200" i="1" dirty="0" err="1">
+                <a:solidFill>
+                  <a:schemeClr val="accent2"/>
+                </a:solidFill>
+              </a:rPr>
+              <a:t>squared</a:t>
+            </a:r>
+            <a:r>
+              <a:rPr lang="pt-BR" sz="1200" i="1" dirty="0">
+                <a:solidFill>
+                  <a:schemeClr val="accent2"/>
+                </a:solidFill>
+              </a:rPr>
+              <a:t>, </a:t>
+            </a:r>
+            <a:r>
+              <a:rPr lang="pt-BR" sz="1200" i="1" dirty="0" err="1">
+                <a:solidFill>
+                  <a:schemeClr val="accent2"/>
+                </a:solidFill>
+              </a:rPr>
+              <a:t>accuracy</a:t>
+            </a:r>
+            <a:endParaRPr lang="pt-BR" sz="1200" i="1" dirty="0">
+              <a:solidFill>
+                <a:schemeClr val="accent2"/>
+              </a:solidFill>
+            </a:endParaRPr>
           </a:p>
         </p:txBody>
       </p:sp>
